--- a/assets/pptx/LC16.pptx
+++ b/assets/pptx/LC16.pptx
@@ -5,7 +5,7 @@
     <p:sldMasterId id="2147483659" r:id="rId1"/>
   </p:sldMasterIdLst>
   <p:notesMasterIdLst>
-    <p:notesMasterId r:id="rId22"/>
+    <p:notesMasterId r:id="rId23"/>
   </p:notesMasterIdLst>
   <p:sldIdLst>
     <p:sldId id="256" r:id="rId2"/>
@@ -21,13 +21,14 @@
     <p:sldId id="266" r:id="rId12"/>
     <p:sldId id="267" r:id="rId13"/>
     <p:sldId id="268" r:id="rId14"/>
-    <p:sldId id="269" r:id="rId15"/>
-    <p:sldId id="270" r:id="rId16"/>
-    <p:sldId id="271" r:id="rId17"/>
-    <p:sldId id="272" r:id="rId18"/>
-    <p:sldId id="273" r:id="rId19"/>
-    <p:sldId id="274" r:id="rId20"/>
-    <p:sldId id="275" r:id="rId21"/>
+    <p:sldId id="276" r:id="rId15"/>
+    <p:sldId id="269" r:id="rId16"/>
+    <p:sldId id="270" r:id="rId17"/>
+    <p:sldId id="271" r:id="rId18"/>
+    <p:sldId id="272" r:id="rId19"/>
+    <p:sldId id="273" r:id="rId20"/>
+    <p:sldId id="274" r:id="rId21"/>
+    <p:sldId id="275" r:id="rId22"/>
   </p:sldIdLst>
   <p:sldSz cx="9144000" cy="5143500" type="screen16x9"/>
   <p:notesSz cx="6858000" cy="9144000"/>
@@ -8216,6 +8217,552 @@
   <p:cSld>
     <p:spTree>
       <p:nvGrpSpPr>
+        <p:cNvPr id="1" name=""/>
+        <p:cNvGrpSpPr/>
+        <p:nvPr/>
+      </p:nvGrpSpPr>
+      <p:grpSpPr>
+        <a:xfrm>
+          <a:off x="0" y="0"/>
+          <a:ext cx="0" cy="0"/>
+          <a:chOff x="0" y="0"/>
+          <a:chExt cx="0" cy="0"/>
+        </a:xfrm>
+      </p:grpSpPr>
+      <p:pic>
+        <p:nvPicPr>
+          <p:cNvPr id="1026" name="Picture 2 2" descr="Pycnomètre laboratoire en verre d'après Gay-Lussac à 18.8 €">
+            <a:extLst>
+              <a:ext uri="{FF2B5EF4-FFF2-40B4-BE49-F238E27FC236}">
+                <a16:creationId xmlns:a16="http://schemas.microsoft.com/office/drawing/2014/main" id="{5100082E-680F-4613-9BEA-BE90C1CBD9CB}"/>
+              </a:ext>
+            </a:extLst>
+          </p:cNvPr>
+          <p:cNvPicPr>
+            <a:picLocks noChangeAspect="1" noChangeArrowheads="1"/>
+          </p:cNvPicPr>
+          <p:nvPr/>
+        </p:nvPicPr>
+        <p:blipFill rotWithShape="1">
+          <a:blip r:embed="rId9">
+            <a:extLst>
+              <a:ext uri="{28A0092B-C50C-407E-A947-70E740481C1C}">
+                <a14:useLocalDpi xmlns:a14="http://schemas.microsoft.com/office/drawing/2010/main" val="0"/>
+              </a:ext>
+            </a:extLst>
+          </a:blip>
+          <a:srcRect l="26900" t="10563" r="27663" b="10214"/>
+          <a:stretch/>
+        </p:blipFill>
+        <p:spPr bwMode="auto">
+          <a:xfrm>
+            <a:off x="1347409" y="919664"/>
+            <a:ext cx="1298360" cy="2263806"/>
+          </a:xfrm>
+          <a:prstGeom prst="rect">
+            <a:avLst/>
+          </a:prstGeom>
+          <a:noFill/>
+          <a:extLst>
+            <a:ext uri="{909E8E84-426E-40DD-AFC4-6F175D3DCCD1}">
+              <a14:hiddenFill xmlns:a14="http://schemas.microsoft.com/office/drawing/2010/main">
+                <a:solidFill>
+                  <a:srgbClr val="FFFFFF"/>
+                </a:solidFill>
+              </a14:hiddenFill>
+            </a:ext>
+          </a:extLst>
+        </p:spPr>
+      </p:pic>
+      <p:pic>
+        <p:nvPicPr>
+          <p:cNvPr id="8" name="Image 7">
+            <a:extLst>
+              <a:ext uri="{FF2B5EF4-FFF2-40B4-BE49-F238E27FC236}">
+                <a16:creationId xmlns:a16="http://schemas.microsoft.com/office/drawing/2014/main" id="{FFB945B8-A7DC-47C3-AA39-D263C8E9DBB3}"/>
+              </a:ext>
+            </a:extLst>
+          </p:cNvPr>
+          <p:cNvPicPr>
+            <a:picLocks noChangeAspect="1"/>
+          </p:cNvPicPr>
+          <p:nvPr>
+            <p:custDataLst>
+              <p:tags r:id="rId1"/>
+            </p:custDataLst>
+          </p:nvPr>
+        </p:nvPicPr>
+        <p:blipFill>
+          <a:blip r:embed="rId10">
+            <a:extLst>
+              <a:ext uri="{28A0092B-C50C-407E-A947-70E740481C1C}">
+                <a14:useLocalDpi xmlns:a14="http://schemas.microsoft.com/office/drawing/2010/main" val="0"/>
+              </a:ext>
+            </a:extLst>
+          </a:blip>
+          <a:stretch>
+            <a:fillRect/>
+          </a:stretch>
+        </p:blipFill>
+        <p:spPr>
+          <a:xfrm>
+            <a:off x="1521159" y="3183470"/>
+            <a:ext cx="950857" cy="171428"/>
+          </a:xfrm>
+          <a:prstGeom prst="rect">
+            <a:avLst/>
+          </a:prstGeom>
+        </p:spPr>
+      </p:pic>
+      <p:grpSp>
+        <p:nvGrpSpPr>
+          <p:cNvPr id="6" name="Groupe 5">
+            <a:extLst>
+              <a:ext uri="{FF2B5EF4-FFF2-40B4-BE49-F238E27FC236}">
+                <a16:creationId xmlns:a16="http://schemas.microsoft.com/office/drawing/2014/main" id="{AD78692B-1B55-43EE-BF1E-9D1BFA3F94E6}"/>
+              </a:ext>
+            </a:extLst>
+          </p:cNvPr>
+          <p:cNvGrpSpPr/>
+          <p:nvPr/>
+        </p:nvGrpSpPr>
+        <p:grpSpPr>
+          <a:xfrm>
+            <a:off x="3902235" y="716280"/>
+            <a:ext cx="2735473" cy="822960"/>
+            <a:chOff x="3678980" y="955040"/>
+            <a:chExt cx="3647297" cy="1097280"/>
+          </a:xfrm>
+        </p:grpSpPr>
+        <p:pic>
+          <p:nvPicPr>
+            <p:cNvPr id="2" name="Image 1">
+              <a:extLst>
+                <a:ext uri="{FF2B5EF4-FFF2-40B4-BE49-F238E27FC236}">
+                  <a16:creationId xmlns:a16="http://schemas.microsoft.com/office/drawing/2014/main" id="{8BD8DC89-7087-48FF-8D71-C167E1C04D83}"/>
+                </a:ext>
+              </a:extLst>
+            </p:cNvPr>
+            <p:cNvPicPr>
+              <a:picLocks noChangeAspect="1"/>
+            </p:cNvPicPr>
+            <p:nvPr/>
+          </p:nvPicPr>
+          <p:blipFill rotWithShape="1">
+            <a:blip r:embed="rId11"/>
+            <a:srcRect l="22778" t="37852" r="51000" b="48123"/>
+            <a:stretch/>
+          </p:blipFill>
+          <p:spPr>
+            <a:xfrm>
+              <a:off x="3678980" y="955040"/>
+              <a:ext cx="3647297" cy="1097280"/>
+            </a:xfrm>
+            <a:prstGeom prst="rect">
+              <a:avLst/>
+            </a:prstGeom>
+          </p:spPr>
+        </p:pic>
+        <p:sp>
+          <p:nvSpPr>
+            <p:cNvPr id="3" name="Arc 2">
+              <a:extLst>
+                <a:ext uri="{FF2B5EF4-FFF2-40B4-BE49-F238E27FC236}">
+                  <a16:creationId xmlns:a16="http://schemas.microsoft.com/office/drawing/2014/main" id="{A74ABCC9-08E0-4730-BE34-0EBBBFADE5BC}"/>
+                </a:ext>
+              </a:extLst>
+            </p:cNvPr>
+            <p:cNvSpPr/>
+            <p:nvPr/>
+          </p:nvSpPr>
+          <p:spPr>
+            <a:xfrm rot="2354522">
+              <a:off x="6779823" y="1258334"/>
+              <a:ext cx="325360" cy="408217"/>
+            </a:xfrm>
+            <a:prstGeom prst="arc">
+              <a:avLst/>
+            </a:prstGeom>
+            <a:ln>
+              <a:solidFill>
+                <a:schemeClr val="tx1"/>
+              </a:solidFill>
+            </a:ln>
+          </p:spPr>
+          <p:style>
+            <a:lnRef idx="1">
+              <a:schemeClr val="accent1"/>
+            </a:lnRef>
+            <a:fillRef idx="0">
+              <a:schemeClr val="accent1"/>
+            </a:fillRef>
+            <a:effectRef idx="0">
+              <a:schemeClr val="accent1"/>
+            </a:effectRef>
+            <a:fontRef idx="minor">
+              <a:schemeClr val="tx1"/>
+            </a:fontRef>
+          </p:style>
+          <p:txBody>
+            <a:bodyPr rtlCol="0" anchor="ctr"/>
+            <a:lstStyle/>
+            <a:p>
+              <a:pPr algn="ctr"/>
+              <a:endParaRPr lang="fr-FR" sz="1050"/>
+            </a:p>
+          </p:txBody>
+        </p:sp>
+      </p:grpSp>
+      <p:pic>
+        <p:nvPicPr>
+          <p:cNvPr id="10" name="Image 9">
+            <a:extLst>
+              <a:ext uri="{FF2B5EF4-FFF2-40B4-BE49-F238E27FC236}">
+                <a16:creationId xmlns:a16="http://schemas.microsoft.com/office/drawing/2014/main" id="{CA077453-8B2F-4706-B210-0808869A5EBE}"/>
+              </a:ext>
+            </a:extLst>
+          </p:cNvPr>
+          <p:cNvPicPr>
+            <a:picLocks noChangeAspect="1"/>
+          </p:cNvPicPr>
+          <p:nvPr>
+            <p:custDataLst>
+              <p:tags r:id="rId2"/>
+            </p:custDataLst>
+          </p:nvPr>
+        </p:nvPicPr>
+        <p:blipFill>
+          <a:blip r:embed="rId12">
+            <a:extLst>
+              <a:ext uri="{28A0092B-C50C-407E-A947-70E740481C1C}">
+                <a14:useLocalDpi xmlns:a14="http://schemas.microsoft.com/office/drawing/2010/main" val="0"/>
+              </a:ext>
+            </a:extLst>
+          </a:blip>
+          <a:stretch>
+            <a:fillRect/>
+          </a:stretch>
+        </p:blipFill>
+        <p:spPr>
+          <a:xfrm>
+            <a:off x="3633400" y="2174438"/>
+            <a:ext cx="3273143" cy="198857"/>
+          </a:xfrm>
+          <a:prstGeom prst="rect">
+            <a:avLst/>
+          </a:prstGeom>
+        </p:spPr>
+      </p:pic>
+      <p:sp>
+        <p:nvSpPr>
+          <p:cNvPr id="12" name="Rectangle : coins arrondis 11">
+            <a:extLst>
+              <a:ext uri="{FF2B5EF4-FFF2-40B4-BE49-F238E27FC236}">
+                <a16:creationId xmlns:a16="http://schemas.microsoft.com/office/drawing/2014/main" id="{8DA0D196-4A06-4F9E-B94C-78EE180F621F}"/>
+              </a:ext>
+            </a:extLst>
+          </p:cNvPr>
+          <p:cNvSpPr/>
+          <p:nvPr/>
+        </p:nvSpPr>
+        <p:spPr>
+          <a:xfrm>
+            <a:off x="3239711" y="2927456"/>
+            <a:ext cx="4154750" cy="2084033"/>
+          </a:xfrm>
+          <a:prstGeom prst="roundRect">
+            <a:avLst/>
+          </a:prstGeom>
+          <a:solidFill>
+            <a:schemeClr val="accent6">
+              <a:lumMod val="40000"/>
+              <a:lumOff val="60000"/>
+            </a:schemeClr>
+          </a:solidFill>
+          <a:ln w="38100">
+            <a:solidFill>
+              <a:schemeClr val="accent6">
+                <a:lumMod val="50000"/>
+              </a:schemeClr>
+            </a:solidFill>
+          </a:ln>
+        </p:spPr>
+        <p:style>
+          <a:lnRef idx="2">
+            <a:schemeClr val="accent1">
+              <a:shade val="50000"/>
+            </a:schemeClr>
+          </a:lnRef>
+          <a:fillRef idx="1">
+            <a:schemeClr val="accent1"/>
+          </a:fillRef>
+          <a:effectRef idx="0">
+            <a:schemeClr val="accent1"/>
+          </a:effectRef>
+          <a:fontRef idx="minor">
+            <a:schemeClr val="lt1"/>
+          </a:fontRef>
+        </p:style>
+        <p:txBody>
+          <a:bodyPr rtlCol="0" anchor="ctr"/>
+          <a:lstStyle/>
+          <a:p>
+            <a:pPr algn="ctr"/>
+            <a:endParaRPr lang="fr-FR" sz="1050"/>
+          </a:p>
+        </p:txBody>
+      </p:sp>
+      <p:pic>
+        <p:nvPicPr>
+          <p:cNvPr id="14" name="Image 13">
+            <a:extLst>
+              <a:ext uri="{FF2B5EF4-FFF2-40B4-BE49-F238E27FC236}">
+                <a16:creationId xmlns:a16="http://schemas.microsoft.com/office/drawing/2014/main" id="{C3719488-B77F-4999-AC6F-F3C88272E4A4}"/>
+              </a:ext>
+            </a:extLst>
+          </p:cNvPr>
+          <p:cNvPicPr>
+            <a:picLocks noChangeAspect="1"/>
+          </p:cNvPicPr>
+          <p:nvPr>
+            <p:custDataLst>
+              <p:tags r:id="rId3"/>
+            </p:custDataLst>
+          </p:nvPr>
+        </p:nvPicPr>
+        <p:blipFill>
+          <a:blip r:embed="rId13">
+            <a:extLst>
+              <a:ext uri="{28A0092B-C50C-407E-A947-70E740481C1C}">
+                <a14:useLocalDpi xmlns:a14="http://schemas.microsoft.com/office/drawing/2010/main" val="0"/>
+              </a:ext>
+            </a:extLst>
+          </a:blip>
+          <a:stretch>
+            <a:fillRect/>
+          </a:stretch>
+        </p:blipFill>
+        <p:spPr>
+          <a:xfrm>
+            <a:off x="3632549" y="3067405"/>
+            <a:ext cx="1310857" cy="200000"/>
+          </a:xfrm>
+          <a:prstGeom prst="rect">
+            <a:avLst/>
+          </a:prstGeom>
+        </p:spPr>
+      </p:pic>
+      <p:pic>
+        <p:nvPicPr>
+          <p:cNvPr id="16" name="Image 15">
+            <a:extLst>
+              <a:ext uri="{FF2B5EF4-FFF2-40B4-BE49-F238E27FC236}">
+                <a16:creationId xmlns:a16="http://schemas.microsoft.com/office/drawing/2014/main" id="{E3F3CF6D-38EC-477C-9A20-C68C0A210B83}"/>
+              </a:ext>
+            </a:extLst>
+          </p:cNvPr>
+          <p:cNvPicPr>
+            <a:picLocks noChangeAspect="1"/>
+          </p:cNvPicPr>
+          <p:nvPr>
+            <p:custDataLst>
+              <p:tags r:id="rId4"/>
+            </p:custDataLst>
+          </p:nvPr>
+        </p:nvPicPr>
+        <p:blipFill>
+          <a:blip r:embed="rId14">
+            <a:extLst>
+              <a:ext uri="{28A0092B-C50C-407E-A947-70E740481C1C}">
+                <a14:useLocalDpi xmlns:a14="http://schemas.microsoft.com/office/drawing/2010/main" val="0"/>
+              </a:ext>
+            </a:extLst>
+          </a:blip>
+          <a:stretch>
+            <a:fillRect/>
+          </a:stretch>
+        </p:blipFill>
+        <p:spPr>
+          <a:xfrm>
+            <a:off x="4943406" y="2571750"/>
+            <a:ext cx="1072000" cy="187429"/>
+          </a:xfrm>
+          <a:prstGeom prst="rect">
+            <a:avLst/>
+          </a:prstGeom>
+        </p:spPr>
+      </p:pic>
+      <p:pic>
+        <p:nvPicPr>
+          <p:cNvPr id="25" name="Image 24">
+            <a:extLst>
+              <a:ext uri="{FF2B5EF4-FFF2-40B4-BE49-F238E27FC236}">
+                <a16:creationId xmlns:a16="http://schemas.microsoft.com/office/drawing/2014/main" id="{BD03FE17-A254-4A7C-B1C4-7C2E7595B795}"/>
+              </a:ext>
+            </a:extLst>
+          </p:cNvPr>
+          <p:cNvPicPr>
+            <a:picLocks noChangeAspect="1"/>
+          </p:cNvPicPr>
+          <p:nvPr>
+            <p:custDataLst>
+              <p:tags r:id="rId5"/>
+            </p:custDataLst>
+          </p:nvPr>
+        </p:nvPicPr>
+        <p:blipFill>
+          <a:blip r:embed="rId15">
+            <a:extLst>
+              <a:ext uri="{28A0092B-C50C-407E-A947-70E740481C1C}">
+                <a14:useLocalDpi xmlns:a14="http://schemas.microsoft.com/office/drawing/2010/main" val="0"/>
+              </a:ext>
+            </a:extLst>
+          </a:blip>
+          <a:stretch>
+            <a:fillRect/>
+          </a:stretch>
+        </p:blipFill>
+        <p:spPr>
+          <a:xfrm>
+            <a:off x="3902235" y="3633881"/>
+            <a:ext cx="617685" cy="200501"/>
+          </a:xfrm>
+          <a:prstGeom prst="rect">
+            <a:avLst/>
+          </a:prstGeom>
+        </p:spPr>
+      </p:pic>
+      <p:pic>
+        <p:nvPicPr>
+          <p:cNvPr id="37" name="Image 36">
+            <a:extLst>
+              <a:ext uri="{FF2B5EF4-FFF2-40B4-BE49-F238E27FC236}">
+                <a16:creationId xmlns:a16="http://schemas.microsoft.com/office/drawing/2014/main" id="{268CA3BE-8FA8-42BB-98C6-C19301AA45F7}"/>
+              </a:ext>
+            </a:extLst>
+          </p:cNvPr>
+          <p:cNvPicPr>
+            <a:picLocks noChangeAspect="1"/>
+          </p:cNvPicPr>
+          <p:nvPr>
+            <p:custDataLst>
+              <p:tags r:id="rId6"/>
+            </p:custDataLst>
+          </p:nvPr>
+        </p:nvPicPr>
+        <p:blipFill>
+          <a:blip r:embed="rId16">
+            <a:extLst>
+              <a:ext uri="{28A0092B-C50C-407E-A947-70E740481C1C}">
+                <a14:useLocalDpi xmlns:a14="http://schemas.microsoft.com/office/drawing/2010/main" val="0"/>
+              </a:ext>
+            </a:extLst>
+          </a:blip>
+          <a:stretch>
+            <a:fillRect/>
+          </a:stretch>
+        </p:blipFill>
+        <p:spPr>
+          <a:xfrm>
+            <a:off x="3902235" y="3994815"/>
+            <a:ext cx="646654" cy="200476"/>
+          </a:xfrm>
+          <a:prstGeom prst="rect">
+            <a:avLst/>
+          </a:prstGeom>
+        </p:spPr>
+      </p:pic>
+      <p:pic>
+        <p:nvPicPr>
+          <p:cNvPr id="39" name="Image 38">
+            <a:extLst>
+              <a:ext uri="{FF2B5EF4-FFF2-40B4-BE49-F238E27FC236}">
+                <a16:creationId xmlns:a16="http://schemas.microsoft.com/office/drawing/2014/main" id="{63FB270E-8248-43F4-835A-5D317C7DAC8C}"/>
+              </a:ext>
+            </a:extLst>
+          </p:cNvPr>
+          <p:cNvPicPr>
+            <a:picLocks noChangeAspect="1"/>
+          </p:cNvPicPr>
+          <p:nvPr>
+            <p:custDataLst>
+              <p:tags r:id="rId7"/>
+            </p:custDataLst>
+          </p:nvPr>
+        </p:nvPicPr>
+        <p:blipFill>
+          <a:blip r:embed="rId17">
+            <a:extLst>
+              <a:ext uri="{28A0092B-C50C-407E-A947-70E740481C1C}">
+                <a14:useLocalDpi xmlns:a14="http://schemas.microsoft.com/office/drawing/2010/main" val="0"/>
+              </a:ext>
+            </a:extLst>
+          </a:blip>
+          <a:stretch>
+            <a:fillRect/>
+          </a:stretch>
+        </p:blipFill>
+        <p:spPr>
+          <a:xfrm>
+            <a:off x="3902236" y="4402475"/>
+            <a:ext cx="528559" cy="199310"/>
+          </a:xfrm>
+          <a:prstGeom prst="rect">
+            <a:avLst/>
+          </a:prstGeom>
+        </p:spPr>
+      </p:pic>
+      <p:sp>
+        <p:nvSpPr>
+          <p:cNvPr id="7" name="Titre 6">
+            <a:extLst>
+              <a:ext uri="{FF2B5EF4-FFF2-40B4-BE49-F238E27FC236}">
+                <a16:creationId xmlns:a16="http://schemas.microsoft.com/office/drawing/2014/main" id="{2D908EB3-BC89-E842-A2DE-16B67C33E99D}"/>
+              </a:ext>
+            </a:extLst>
+          </p:cNvPr>
+          <p:cNvSpPr>
+            <a:spLocks noGrp="1"/>
+          </p:cNvSpPr>
+          <p:nvPr>
+            <p:ph type="title"/>
+          </p:nvPr>
+        </p:nvSpPr>
+        <p:spPr>
+          <a:xfrm>
+            <a:off x="288589" y="312567"/>
+            <a:ext cx="8520600" cy="572700"/>
+          </a:xfrm>
+        </p:spPr>
+        <p:txBody>
+          <a:bodyPr/>
+          <a:lstStyle/>
+          <a:p>
+            <a:r>
+              <a:rPr lang="fr-FR" dirty="0"/>
+              <a:t>Détermination de rayons ioniques</a:t>
+            </a:r>
+          </a:p>
+        </p:txBody>
+      </p:sp>
+    </p:spTree>
+    <p:extLst>
+      <p:ext uri="{BB962C8B-B14F-4D97-AF65-F5344CB8AC3E}">
+        <p14:creationId xmlns:p14="http://schemas.microsoft.com/office/powerpoint/2010/main" val="3043632922"/>
+      </p:ext>
+    </p:extLst>
+  </p:cSld>
+  <p:clrMapOvr>
+    <a:masterClrMapping/>
+  </p:clrMapOvr>
+</p:sld>
+</file>
+
+<file path=ppt/slides/slide15.xml><?xml version="1.0" encoding="utf-8"?>
+<p:sld xmlns:a="http://schemas.openxmlformats.org/drawingml/2006/main" xmlns:r="http://schemas.openxmlformats.org/officeDocument/2006/relationships" xmlns:p="http://schemas.openxmlformats.org/presentationml/2006/main">
+  <p:cSld>
+    <p:spTree>
+      <p:nvGrpSpPr>
         <p:cNvPr id="1" name="Shape 145"/>
         <p:cNvGrpSpPr/>
         <p:nvPr/>
@@ -8456,7 +9003,7 @@
 </p:sld>
 </file>
 
-<file path=ppt/slides/slide15.xml><?xml version="1.0" encoding="utf-8"?>
+<file path=ppt/slides/slide16.xml><?xml version="1.0" encoding="utf-8"?>
 <p:sld xmlns:a="http://schemas.openxmlformats.org/drawingml/2006/main" xmlns:r="http://schemas.openxmlformats.org/officeDocument/2006/relationships" xmlns:p="http://schemas.openxmlformats.org/presentationml/2006/main">
   <p:cSld>
     <p:spTree>
@@ -8636,7 +9183,7 @@
 </p:sld>
 </file>
 
-<file path=ppt/slides/slide16.xml><?xml version="1.0" encoding="utf-8"?>
+<file path=ppt/slides/slide17.xml><?xml version="1.0" encoding="utf-8"?>
 <p:sld xmlns:a="http://schemas.openxmlformats.org/drawingml/2006/main" xmlns:r="http://schemas.openxmlformats.org/officeDocument/2006/relationships" xmlns:p="http://schemas.openxmlformats.org/presentationml/2006/main">
   <p:cSld>
     <p:spTree>
@@ -8816,7 +9363,7 @@
 </p:sld>
 </file>
 
-<file path=ppt/slides/slide17.xml><?xml version="1.0" encoding="utf-8"?>
+<file path=ppt/slides/slide18.xml><?xml version="1.0" encoding="utf-8"?>
 <p:sld xmlns:a="http://schemas.openxmlformats.org/drawingml/2006/main" xmlns:r="http://schemas.openxmlformats.org/officeDocument/2006/relationships" xmlns:p="http://schemas.openxmlformats.org/presentationml/2006/main">
   <p:cSld>
     <p:spTree>
@@ -9142,7 +9689,7 @@
 </p:sld>
 </file>
 
-<file path=ppt/slides/slide18.xml><?xml version="1.0" encoding="utf-8"?>
+<file path=ppt/slides/slide19.xml><?xml version="1.0" encoding="utf-8"?>
 <p:sld xmlns:a="http://schemas.openxmlformats.org/drawingml/2006/main" xmlns:r="http://schemas.openxmlformats.org/officeDocument/2006/relationships" xmlns:p="http://schemas.openxmlformats.org/presentationml/2006/main">
   <p:cSld>
     <p:spTree>
@@ -9267,204 +9814,6 @@
           </a:ln>
         </p:spPr>
       </p:pic>
-    </p:spTree>
-  </p:cSld>
-  <p:clrMapOvr>
-    <a:masterClrMapping/>
-  </p:clrMapOvr>
-</p:sld>
-</file>
-
-<file path=ppt/slides/slide19.xml><?xml version="1.0" encoding="utf-8"?>
-<p:sld xmlns:a="http://schemas.openxmlformats.org/drawingml/2006/main" xmlns:r="http://schemas.openxmlformats.org/officeDocument/2006/relationships" xmlns:p="http://schemas.openxmlformats.org/presentationml/2006/main">
-  <p:cSld>
-    <p:spTree>
-      <p:nvGrpSpPr>
-        <p:cNvPr id="1" name="Shape 185"/>
-        <p:cNvGrpSpPr/>
-        <p:nvPr/>
-      </p:nvGrpSpPr>
-      <p:grpSpPr>
-        <a:xfrm>
-          <a:off x="0" y="0"/>
-          <a:ext cx="0" cy="0"/>
-          <a:chOff x="0" y="0"/>
-          <a:chExt cx="0" cy="0"/>
-        </a:xfrm>
-      </p:grpSpPr>
-      <p:sp>
-        <p:nvSpPr>
-          <p:cNvPr id="186" name="Google Shape;186;p31"/>
-          <p:cNvSpPr txBox="1">
-            <a:spLocks noGrp="1"/>
-          </p:cNvSpPr>
-          <p:nvPr>
-            <p:ph type="title"/>
-          </p:nvPr>
-        </p:nvSpPr>
-        <p:spPr>
-          <a:xfrm>
-            <a:off x="274000" y="209500"/>
-            <a:ext cx="8520600" cy="572700"/>
-          </a:xfrm>
-          <a:prstGeom prst="rect">
-            <a:avLst/>
-          </a:prstGeom>
-        </p:spPr>
-        <p:txBody>
-          <a:bodyPr spcFirstLastPara="1" wrap="square" lIns="91425" tIns="91425" rIns="91425" bIns="91425" anchor="t" anchorCtr="0">
-            <a:noAutofit/>
-          </a:bodyPr>
-          <a:lstStyle/>
-          <a:p>
-            <a:pPr marL="0" lvl="0" indent="0" algn="l" rtl="0">
-              <a:spcBef>
-                <a:spcPts val="0"/>
-              </a:spcBef>
-              <a:spcAft>
-                <a:spcPts val="0"/>
-              </a:spcAft>
-              <a:buNone/>
-            </a:pPr>
-            <a:r>
-              <a:rPr lang="fr" u="sng"/>
-              <a:t>Ressources : </a:t>
-            </a:r>
-            <a:endParaRPr u="sng"/>
-          </a:p>
-        </p:txBody>
-      </p:sp>
-      <p:sp>
-        <p:nvSpPr>
-          <p:cNvPr id="187" name="Google Shape;187;p31"/>
-          <p:cNvSpPr txBox="1">
-            <a:spLocks noGrp="1"/>
-          </p:cNvSpPr>
-          <p:nvPr>
-            <p:ph type="body" idx="1"/>
-          </p:nvPr>
-        </p:nvSpPr>
-        <p:spPr>
-          <a:xfrm>
-            <a:off x="311700" y="973475"/>
-            <a:ext cx="8520600" cy="3416400"/>
-          </a:xfrm>
-          <a:prstGeom prst="rect">
-            <a:avLst/>
-          </a:prstGeom>
-        </p:spPr>
-        <p:txBody>
-          <a:bodyPr spcFirstLastPara="1" wrap="square" lIns="91425" tIns="91425" rIns="91425" bIns="91425" anchor="t" anchorCtr="0">
-            <a:noAutofit/>
-          </a:bodyPr>
-          <a:lstStyle/>
-          <a:p>
-            <a:pPr marL="0" lvl="0" indent="0" algn="l" rtl="0">
-              <a:spcBef>
-                <a:spcPts val="0"/>
-              </a:spcBef>
-              <a:spcAft>
-                <a:spcPts val="0"/>
-              </a:spcAft>
-              <a:buNone/>
-            </a:pPr>
-            <a:r>
-              <a:rPr lang="fr" u="sng">
-                <a:solidFill>
-                  <a:schemeClr val="hlink"/>
-                </a:solidFill>
-                <a:hlinkClick r:id="rId3"/>
-              </a:rPr>
-              <a:t>https://www.youtube.com/watch?v=PG-mHrquj1k&amp;t=1s</a:t>
-            </a:r>
-            <a:endParaRPr/>
-          </a:p>
-          <a:p>
-            <a:pPr marL="0" lvl="0" indent="0" algn="l" rtl="0">
-              <a:spcBef>
-                <a:spcPts val="1600"/>
-              </a:spcBef>
-              <a:spcAft>
-                <a:spcPts val="0"/>
-              </a:spcAft>
-              <a:buClr>
-                <a:schemeClr val="dk1"/>
-              </a:buClr>
-              <a:buSzPts val="1100"/>
-              <a:buFont typeface="Arial"/>
-              <a:buNone/>
-            </a:pPr>
-            <a:r>
-              <a:rPr lang="fr" u="sng">
-                <a:solidFill>
-                  <a:schemeClr val="accent5"/>
-                </a:solidFill>
-                <a:hlinkClick r:id="rId4">
-                  <a:extLst>
-                    <a:ext uri="{A12FA001-AC4F-418D-AE19-62706E023703}">
-                      <ahyp:hlinkClr xmlns:ahyp="http://schemas.microsoft.com/office/drawing/2018/hyperlinkcolor" val="tx"/>
-                    </a:ext>
-                  </a:extLst>
-                </a:hlinkClick>
-              </a:rPr>
-              <a:t>https://culturesciences.chimie.ens.fr/thematiques/histoire-de-la-chimie/la-classification-periodique-de-lavoisier-a-mendeleiev</a:t>
-            </a:r>
-            <a:endParaRPr/>
-          </a:p>
-          <a:p>
-            <a:pPr marL="0" lvl="0" indent="0" algn="l" rtl="0">
-              <a:spcBef>
-                <a:spcPts val="1600"/>
-              </a:spcBef>
-              <a:spcAft>
-                <a:spcPts val="0"/>
-              </a:spcAft>
-              <a:buNone/>
-            </a:pPr>
-            <a:r>
-              <a:rPr lang="fr"/>
-              <a:t>Chimie PCSI, Tec et Doc.</a:t>
-            </a:r>
-            <a:endParaRPr/>
-          </a:p>
-          <a:p>
-            <a:pPr marL="0" lvl="0" indent="0" algn="l" rtl="0">
-              <a:spcBef>
-                <a:spcPts val="1600"/>
-              </a:spcBef>
-              <a:spcAft>
-                <a:spcPts val="0"/>
-              </a:spcAft>
-              <a:buNone/>
-            </a:pPr>
-            <a:endParaRPr/>
-          </a:p>
-          <a:p>
-            <a:pPr marL="0" lvl="0" indent="0" algn="l" rtl="0">
-              <a:spcBef>
-                <a:spcPts val="1600"/>
-              </a:spcBef>
-              <a:spcAft>
-                <a:spcPts val="0"/>
-              </a:spcAft>
-              <a:buNone/>
-            </a:pPr>
-            <a:endParaRPr/>
-          </a:p>
-          <a:p>
-            <a:pPr marL="0" lvl="0" indent="0" algn="l" rtl="0">
-              <a:spcBef>
-                <a:spcPts val="1600"/>
-              </a:spcBef>
-              <a:spcAft>
-                <a:spcPts val="1600"/>
-              </a:spcAft>
-              <a:buNone/>
-            </a:pPr>
-            <a:endParaRPr/>
-          </a:p>
-        </p:txBody>
-      </p:sp>
     </p:spTree>
   </p:cSld>
   <p:clrMapOvr>
@@ -9623,6 +9972,204 @@
   <p:cSld>
     <p:spTree>
       <p:nvGrpSpPr>
+        <p:cNvPr id="1" name="Shape 185"/>
+        <p:cNvGrpSpPr/>
+        <p:nvPr/>
+      </p:nvGrpSpPr>
+      <p:grpSpPr>
+        <a:xfrm>
+          <a:off x="0" y="0"/>
+          <a:ext cx="0" cy="0"/>
+          <a:chOff x="0" y="0"/>
+          <a:chExt cx="0" cy="0"/>
+        </a:xfrm>
+      </p:grpSpPr>
+      <p:sp>
+        <p:nvSpPr>
+          <p:cNvPr id="186" name="Google Shape;186;p31"/>
+          <p:cNvSpPr txBox="1">
+            <a:spLocks noGrp="1"/>
+          </p:cNvSpPr>
+          <p:nvPr>
+            <p:ph type="title"/>
+          </p:nvPr>
+        </p:nvSpPr>
+        <p:spPr>
+          <a:xfrm>
+            <a:off x="274000" y="209500"/>
+            <a:ext cx="8520600" cy="572700"/>
+          </a:xfrm>
+          <a:prstGeom prst="rect">
+            <a:avLst/>
+          </a:prstGeom>
+        </p:spPr>
+        <p:txBody>
+          <a:bodyPr spcFirstLastPara="1" wrap="square" lIns="91425" tIns="91425" rIns="91425" bIns="91425" anchor="t" anchorCtr="0">
+            <a:noAutofit/>
+          </a:bodyPr>
+          <a:lstStyle/>
+          <a:p>
+            <a:pPr marL="0" lvl="0" indent="0" algn="l" rtl="0">
+              <a:spcBef>
+                <a:spcPts val="0"/>
+              </a:spcBef>
+              <a:spcAft>
+                <a:spcPts val="0"/>
+              </a:spcAft>
+              <a:buNone/>
+            </a:pPr>
+            <a:r>
+              <a:rPr lang="fr" u="sng"/>
+              <a:t>Ressources : </a:t>
+            </a:r>
+            <a:endParaRPr u="sng"/>
+          </a:p>
+        </p:txBody>
+      </p:sp>
+      <p:sp>
+        <p:nvSpPr>
+          <p:cNvPr id="187" name="Google Shape;187;p31"/>
+          <p:cNvSpPr txBox="1">
+            <a:spLocks noGrp="1"/>
+          </p:cNvSpPr>
+          <p:nvPr>
+            <p:ph type="body" idx="1"/>
+          </p:nvPr>
+        </p:nvSpPr>
+        <p:spPr>
+          <a:xfrm>
+            <a:off x="311700" y="973475"/>
+            <a:ext cx="8520600" cy="3416400"/>
+          </a:xfrm>
+          <a:prstGeom prst="rect">
+            <a:avLst/>
+          </a:prstGeom>
+        </p:spPr>
+        <p:txBody>
+          <a:bodyPr spcFirstLastPara="1" wrap="square" lIns="91425" tIns="91425" rIns="91425" bIns="91425" anchor="t" anchorCtr="0">
+            <a:noAutofit/>
+          </a:bodyPr>
+          <a:lstStyle/>
+          <a:p>
+            <a:pPr marL="0" lvl="0" indent="0" algn="l" rtl="0">
+              <a:spcBef>
+                <a:spcPts val="0"/>
+              </a:spcBef>
+              <a:spcAft>
+                <a:spcPts val="0"/>
+              </a:spcAft>
+              <a:buNone/>
+            </a:pPr>
+            <a:r>
+              <a:rPr lang="fr" u="sng">
+                <a:solidFill>
+                  <a:schemeClr val="hlink"/>
+                </a:solidFill>
+                <a:hlinkClick r:id="rId3"/>
+              </a:rPr>
+              <a:t>https://www.youtube.com/watch?v=PG-mHrquj1k&amp;t=1s</a:t>
+            </a:r>
+            <a:endParaRPr/>
+          </a:p>
+          <a:p>
+            <a:pPr marL="0" lvl="0" indent="0" algn="l" rtl="0">
+              <a:spcBef>
+                <a:spcPts val="1600"/>
+              </a:spcBef>
+              <a:spcAft>
+                <a:spcPts val="0"/>
+              </a:spcAft>
+              <a:buClr>
+                <a:schemeClr val="dk1"/>
+              </a:buClr>
+              <a:buSzPts val="1100"/>
+              <a:buFont typeface="Arial"/>
+              <a:buNone/>
+            </a:pPr>
+            <a:r>
+              <a:rPr lang="fr" u="sng">
+                <a:solidFill>
+                  <a:schemeClr val="accent5"/>
+                </a:solidFill>
+                <a:hlinkClick r:id="rId4">
+                  <a:extLst>
+                    <a:ext uri="{A12FA001-AC4F-418D-AE19-62706E023703}">
+                      <ahyp:hlinkClr xmlns:ahyp="http://schemas.microsoft.com/office/drawing/2018/hyperlinkcolor" val="tx"/>
+                    </a:ext>
+                  </a:extLst>
+                </a:hlinkClick>
+              </a:rPr>
+              <a:t>https://culturesciences.chimie.ens.fr/thematiques/histoire-de-la-chimie/la-classification-periodique-de-lavoisier-a-mendeleiev</a:t>
+            </a:r>
+            <a:endParaRPr/>
+          </a:p>
+          <a:p>
+            <a:pPr marL="0" lvl="0" indent="0" algn="l" rtl="0">
+              <a:spcBef>
+                <a:spcPts val="1600"/>
+              </a:spcBef>
+              <a:spcAft>
+                <a:spcPts val="0"/>
+              </a:spcAft>
+              <a:buNone/>
+            </a:pPr>
+            <a:r>
+              <a:rPr lang="fr"/>
+              <a:t>Chimie PCSI, Tec et Doc.</a:t>
+            </a:r>
+            <a:endParaRPr/>
+          </a:p>
+          <a:p>
+            <a:pPr marL="0" lvl="0" indent="0" algn="l" rtl="0">
+              <a:spcBef>
+                <a:spcPts val="1600"/>
+              </a:spcBef>
+              <a:spcAft>
+                <a:spcPts val="0"/>
+              </a:spcAft>
+              <a:buNone/>
+            </a:pPr>
+            <a:endParaRPr/>
+          </a:p>
+          <a:p>
+            <a:pPr marL="0" lvl="0" indent="0" algn="l" rtl="0">
+              <a:spcBef>
+                <a:spcPts val="1600"/>
+              </a:spcBef>
+              <a:spcAft>
+                <a:spcPts val="0"/>
+              </a:spcAft>
+              <a:buNone/>
+            </a:pPr>
+            <a:endParaRPr/>
+          </a:p>
+          <a:p>
+            <a:pPr marL="0" lvl="0" indent="0" algn="l" rtl="0">
+              <a:spcBef>
+                <a:spcPts val="1600"/>
+              </a:spcBef>
+              <a:spcAft>
+                <a:spcPts val="1600"/>
+              </a:spcAft>
+              <a:buNone/>
+            </a:pPr>
+            <a:endParaRPr/>
+          </a:p>
+        </p:txBody>
+      </p:sp>
+    </p:spTree>
+  </p:cSld>
+  <p:clrMapOvr>
+    <a:masterClrMapping/>
+  </p:clrMapOvr>
+</p:sld>
+</file>
+
+<file path=ppt/slides/slide21.xml><?xml version="1.0" encoding="utf-8"?>
+<p:sld xmlns:a="http://schemas.openxmlformats.org/drawingml/2006/main" xmlns:r="http://schemas.openxmlformats.org/officeDocument/2006/relationships" xmlns:p="http://schemas.openxmlformats.org/presentationml/2006/main">
+  <p:cSld>
+    <p:spTree>
+      <p:nvGrpSpPr>
         <p:cNvPr id="1" name=""/>
         <p:cNvGrpSpPr/>
         <p:nvPr/>
@@ -9686,13 +10233,8 @@
             </a:pPr>
             <a:r>
               <a:rPr lang="fr-FR" dirty="0"/>
-              <a:t>Voir CR pour </a:t>
+              <a:t>Voir CR pour le protocole</a:t>
             </a:r>
-            <a:r>
-              <a:rPr lang="fr-FR"/>
-              <a:t>le protocole</a:t>
-            </a:r>
-            <a:endParaRPr lang="fr-FR" dirty="0"/>
           </a:p>
           <a:p>
             <a:pPr marL="114300" indent="0">
@@ -10832,6 +11374,139 @@
     <a:masterClrMapping/>
   </p:clrMapOvr>
 </p:sld>
+</file>
+
+<file path=ppt/tags/tag1.xml><?xml version="1.0" encoding="utf-8"?>
+<p:tagLst xmlns:a="http://schemas.openxmlformats.org/drawingml/2006/main" xmlns:r="http://schemas.openxmlformats.org/officeDocument/2006/relationships" xmlns:p="http://schemas.openxmlformats.org/presentationml/2006/main">
+  <p:tag name="OUTPUTDPI" val="1200"/>
+  <p:tag name="ORIGINALHEIGHT" val="112,4859"/>
+  <p:tag name="ORIGINALWIDTH" val="623,922"/>
+  <p:tag name="LATEXADDIN" val="\documentclass{article}&#10;\usepackage{amsmath}&#10;\pagestyle{empty}&#10;\begin{document}&#10;&#10;pycnomètre&#10;&#10;&#10;\end{document}"/>
+  <p:tag name="IGUANATEXSIZE" val="20"/>
+  <p:tag name="IGUANATEXCURSOR" val="91"/>
+  <p:tag name="TRANSPARENCY" val="Vrai"/>
+  <p:tag name="FILENAME" val=""/>
+  <p:tag name="LATEXENGINEID" val="0"/>
+  <p:tag name="TEMPFOLDER" val="c:\temp\"/>
+  <p:tag name="LATEXFORMHEIGHT" val="312"/>
+  <p:tag name="LATEXFORMWIDTH" val="384"/>
+  <p:tag name="LATEXFORMWRAP" val="Vrai"/>
+  <p:tag name="BITMAPVECTOR" val="0"/>
+</p:tagLst>
+</file>
+
+<file path=ppt/tags/tag2.xml><?xml version="1.0" encoding="utf-8"?>
+<p:tagLst xmlns:a="http://schemas.openxmlformats.org/drawingml/2006/main" xmlns:r="http://schemas.openxmlformats.org/officeDocument/2006/relationships" xmlns:p="http://schemas.openxmlformats.org/presentationml/2006/main">
+  <p:tag name="OUTPUTDPI" val="1200"/>
+  <p:tag name="ORIGINALHEIGHT" val="130,4837"/>
+  <p:tag name="ORIGINALWIDTH" val="2147,731"/>
+  <p:tag name="LATEXADDIN" val="\documentclass{article}&#10;\usepackage{amsmath}&#10;\pagestyle{empty}&#10;\begin{document}&#10;&#10;&#10;Condition de tangeance: a/2=$R^{+}+R^{-}$&#10;&#10;\end{document}"/>
+  <p:tag name="IGUANATEXSIZE" val="20"/>
+  <p:tag name="IGUANATEXCURSOR" val="122"/>
+  <p:tag name="TRANSPARENCY" val="Vrai"/>
+  <p:tag name="FILENAME" val=""/>
+  <p:tag name="LATEXENGINEID" val="0"/>
+  <p:tag name="TEMPFOLDER" val="c:\temp\"/>
+  <p:tag name="LATEXFORMHEIGHT" val="312"/>
+  <p:tag name="LATEXFORMWIDTH" val="384"/>
+  <p:tag name="LATEXFORMWRAP" val="Vrai"/>
+  <p:tag name="BITMAPVECTOR" val="0"/>
+</p:tagLst>
+</file>
+
+<file path=ppt/tags/tag3.xml><?xml version="1.0" encoding="utf-8"?>
+<p:tagLst xmlns:a="http://schemas.openxmlformats.org/drawingml/2006/main" xmlns:r="http://schemas.openxmlformats.org/officeDocument/2006/relationships" xmlns:p="http://schemas.openxmlformats.org/presentationml/2006/main">
+  <p:tag name="OUTPUTDPI" val="1200"/>
+  <p:tag name="ORIGINALHEIGHT" val="131,2336"/>
+  <p:tag name="ORIGINALWIDTH" val="860,1425"/>
+  <p:tag name="LATEXADDIN" val="\documentclass{article}&#10;\usepackage{amsmath}&#10;\pagestyle{empty}&#10;\begin{document}&#10;&#10;&#10;\underline{En préparation:}&#10;&#10;\end{document}"/>
+  <p:tag name="IGUANATEXSIZE" val="20"/>
+  <p:tag name="IGUANATEXCURSOR" val="109"/>
+  <p:tag name="TRANSPARENCY" val="Vrai"/>
+  <p:tag name="FILENAME" val=""/>
+  <p:tag name="LATEXENGINEID" val="0"/>
+  <p:tag name="TEMPFOLDER" val="c:\temp\"/>
+  <p:tag name="LATEXFORMHEIGHT" val="312"/>
+  <p:tag name="LATEXFORMWIDTH" val="384"/>
+  <p:tag name="LATEXFORMWRAP" val="Vrai"/>
+  <p:tag name="BITMAPVECTOR" val="0"/>
+</p:tagLst>
+</file>
+
+<file path=ppt/tags/tag4.xml><?xml version="1.0" encoding="utf-8"?>
+<p:tagLst xmlns:a="http://schemas.openxmlformats.org/drawingml/2006/main" xmlns:r="http://schemas.openxmlformats.org/officeDocument/2006/relationships" xmlns:p="http://schemas.openxmlformats.org/presentationml/2006/main">
+  <p:tag name="OUTPUTDPI" val="1200"/>
+  <p:tag name="ORIGINALHEIGHT" val="122,9846"/>
+  <p:tag name="ORIGINALWIDTH" val="703,412"/>
+  <p:tag name="LATEXADDIN" val="\documentclass{article}&#10;\usepackage{amsmath}&#10;\pagestyle{empty}&#10;\begin{document}&#10;&#10;&#10;$R^{+}=$102 pm &#10;&#10;\end{document}"/>
+  <p:tag name="IGUANATEXSIZE" val="20"/>
+  <p:tag name="IGUANATEXCURSOR" val="97"/>
+  <p:tag name="TRANSPARENCY" val="Vrai"/>
+  <p:tag name="FILENAME" val=""/>
+  <p:tag name="LATEXENGINEID" val="0"/>
+  <p:tag name="TEMPFOLDER" val="c:\temp\"/>
+  <p:tag name="LATEXFORMHEIGHT" val="312"/>
+  <p:tag name="LATEXFORMWIDTH" val="384"/>
+  <p:tag name="LATEXFORMWRAP" val="Vrai"/>
+  <p:tag name="BITMAPVECTOR" val="0"/>
+</p:tagLst>
+</file>
+
+<file path=ppt/tags/tag5.xml><?xml version="1.0" encoding="utf-8"?>
+<p:tagLst xmlns:a="http://schemas.openxmlformats.org/drawingml/2006/main" xmlns:r="http://schemas.openxmlformats.org/officeDocument/2006/relationships" xmlns:p="http://schemas.openxmlformats.org/presentationml/2006/main">
+  <p:tag name="OUTPUTDPI" val="1200"/>
+  <p:tag name="ORIGINALHEIGHT" val="129,7338"/>
+  <p:tag name="ORIGINALWIDTH" val="404,1995"/>
+  <p:tag name="LATEXADDIN" val="\documentclass{article}&#10;\usepackage{amsmath}&#10;\pagestyle{empty}&#10;\begin{document}&#10;&#10;&#10;$R^{-}_{Cl^{-}}=$&#10;\end{document}"/>
+  <p:tag name="IGUANATEXSIZE" val="20"/>
+  <p:tag name="IGUANATEXCURSOR" val="95"/>
+  <p:tag name="TRANSPARENCY" val="Vrai"/>
+  <p:tag name="FILENAME" val=""/>
+  <p:tag name="LATEXENGINEID" val="0"/>
+  <p:tag name="TEMPFOLDER" val="c:\temp\"/>
+  <p:tag name="LATEXFORMHEIGHT" val="312"/>
+  <p:tag name="LATEXFORMWIDTH" val="384"/>
+  <p:tag name="LATEXFORMWRAP" val="Vrai"/>
+  <p:tag name="BITMAPVECTOR" val="0"/>
+</p:tagLst>
+</file>
+
+<file path=ppt/tags/tag6.xml><?xml version="1.0" encoding="utf-8"?>
+<p:tagLst xmlns:a="http://schemas.openxmlformats.org/drawingml/2006/main" xmlns:r="http://schemas.openxmlformats.org/officeDocument/2006/relationships" xmlns:p="http://schemas.openxmlformats.org/presentationml/2006/main">
+  <p:tag name="OUTPUTDPI" val="1200"/>
+  <p:tag name="ORIGINALHEIGHT" val="128,9839"/>
+  <p:tag name="ORIGINALWIDTH" val="422,9472"/>
+  <p:tag name="LATEXADDIN" val="\documentclass{article}&#10;\usepackage{amsmath}&#10;\pagestyle{empty}&#10;\begin{document}&#10;&#10;&#10;$R^{-}_{Br^{-}}=$&#10;\end{document}"/>
+  <p:tag name="IGUANATEXSIZE" val="20"/>
+  <p:tag name="IGUANATEXCURSOR" val="92"/>
+  <p:tag name="TRANSPARENCY" val="Vrai"/>
+  <p:tag name="FILENAME" val=""/>
+  <p:tag name="LATEXENGINEID" val="0"/>
+  <p:tag name="TEMPFOLDER" val="c:\temp\"/>
+  <p:tag name="LATEXFORMHEIGHT" val="312"/>
+  <p:tag name="LATEXFORMWIDTH" val="384"/>
+  <p:tag name="LATEXFORMWRAP" val="Vrai"/>
+  <p:tag name="BITMAPVECTOR" val="0"/>
+</p:tagLst>
+</file>
+
+<file path=ppt/tags/tag7.xml><?xml version="1.0" encoding="utf-8"?>
+<p:tagLst xmlns:a="http://schemas.openxmlformats.org/drawingml/2006/main" xmlns:r="http://schemas.openxmlformats.org/officeDocument/2006/relationships" xmlns:p="http://schemas.openxmlformats.org/presentationml/2006/main">
+  <p:tag name="OUTPUTDPI" val="1200"/>
+  <p:tag name="ORIGINALHEIGHT" val="128,2339"/>
+  <p:tag name="ORIGINALWIDTH" val="345,7068"/>
+  <p:tag name="LATEXADDIN" val="\documentclass{article}&#10;\usepackage{amsmath}&#10;\pagestyle{empty}&#10;\begin{document}&#10;&#10;&#10;$R^{-}_{I^{-}}=$&#10;\end{document}"/>
+  <p:tag name="IGUANATEXSIZE" val="20"/>
+  <p:tag name="IGUANATEXCURSOR" val="91"/>
+  <p:tag name="TRANSPARENCY" val="Vrai"/>
+  <p:tag name="FILENAME" val=""/>
+  <p:tag name="LATEXENGINEID" val="0"/>
+  <p:tag name="TEMPFOLDER" val="c:\temp\"/>
+  <p:tag name="LATEXFORMHEIGHT" val="312"/>
+  <p:tag name="LATEXFORMWIDTH" val="384"/>
+  <p:tag name="LATEXFORMWRAP" val="Vrai"/>
+  <p:tag name="BITMAPVECTOR" val="0"/>
+</p:tagLst>
 </file>
 
 <file path=ppt/theme/theme1.xml><?xml version="1.0" encoding="utf-8"?>
